--- a/dfo_repro_research/ReproResearch/presentation/screenshots_edited.pptx
+++ b/dfo_repro_research/ReproResearch/presentation/screenshots_edited.pptx
@@ -288,7 +288,7 @@
           <a:p>
             <a:fld id="{9D1FA11A-46CC-422C-B139-8458BEF41F53}" type="datetimeFigureOut">
               <a:rPr lang="en-CA" smtClean="0"/>
-              <a:t>17/11/2017</a:t>
+              <a:t>20/11/2017</a:t>
             </a:fld>
             <a:endParaRPr lang="en-CA"/>
           </a:p>
@@ -458,7 +458,7 @@
           <a:p>
             <a:fld id="{9D1FA11A-46CC-422C-B139-8458BEF41F53}" type="datetimeFigureOut">
               <a:rPr lang="en-CA" smtClean="0"/>
-              <a:t>17/11/2017</a:t>
+              <a:t>20/11/2017</a:t>
             </a:fld>
             <a:endParaRPr lang="en-CA"/>
           </a:p>
@@ -638,7 +638,7 @@
           <a:p>
             <a:fld id="{9D1FA11A-46CC-422C-B139-8458BEF41F53}" type="datetimeFigureOut">
               <a:rPr lang="en-CA" smtClean="0"/>
-              <a:t>17/11/2017</a:t>
+              <a:t>20/11/2017</a:t>
             </a:fld>
             <a:endParaRPr lang="en-CA"/>
           </a:p>
@@ -808,7 +808,7 @@
           <a:p>
             <a:fld id="{9D1FA11A-46CC-422C-B139-8458BEF41F53}" type="datetimeFigureOut">
               <a:rPr lang="en-CA" smtClean="0"/>
-              <a:t>17/11/2017</a:t>
+              <a:t>20/11/2017</a:t>
             </a:fld>
             <a:endParaRPr lang="en-CA"/>
           </a:p>
@@ -1054,7 +1054,7 @@
           <a:p>
             <a:fld id="{9D1FA11A-46CC-422C-B139-8458BEF41F53}" type="datetimeFigureOut">
               <a:rPr lang="en-CA" smtClean="0"/>
-              <a:t>17/11/2017</a:t>
+              <a:t>20/11/2017</a:t>
             </a:fld>
             <a:endParaRPr lang="en-CA"/>
           </a:p>
@@ -1342,7 +1342,7 @@
           <a:p>
             <a:fld id="{9D1FA11A-46CC-422C-B139-8458BEF41F53}" type="datetimeFigureOut">
               <a:rPr lang="en-CA" smtClean="0"/>
-              <a:t>17/11/2017</a:t>
+              <a:t>20/11/2017</a:t>
             </a:fld>
             <a:endParaRPr lang="en-CA"/>
           </a:p>
@@ -1764,7 +1764,7 @@
           <a:p>
             <a:fld id="{9D1FA11A-46CC-422C-B139-8458BEF41F53}" type="datetimeFigureOut">
               <a:rPr lang="en-CA" smtClean="0"/>
-              <a:t>17/11/2017</a:t>
+              <a:t>20/11/2017</a:t>
             </a:fld>
             <a:endParaRPr lang="en-CA"/>
           </a:p>
@@ -1882,7 +1882,7 @@
           <a:p>
             <a:fld id="{9D1FA11A-46CC-422C-B139-8458BEF41F53}" type="datetimeFigureOut">
               <a:rPr lang="en-CA" smtClean="0"/>
-              <a:t>17/11/2017</a:t>
+              <a:t>20/11/2017</a:t>
             </a:fld>
             <a:endParaRPr lang="en-CA"/>
           </a:p>
@@ -1977,7 +1977,7 @@
           <a:p>
             <a:fld id="{9D1FA11A-46CC-422C-B139-8458BEF41F53}" type="datetimeFigureOut">
               <a:rPr lang="en-CA" smtClean="0"/>
-              <a:t>17/11/2017</a:t>
+              <a:t>20/11/2017</a:t>
             </a:fld>
             <a:endParaRPr lang="en-CA"/>
           </a:p>
@@ -2254,7 +2254,7 @@
           <a:p>
             <a:fld id="{9D1FA11A-46CC-422C-B139-8458BEF41F53}" type="datetimeFigureOut">
               <a:rPr lang="en-CA" smtClean="0"/>
-              <a:t>17/11/2017</a:t>
+              <a:t>20/11/2017</a:t>
             </a:fld>
             <a:endParaRPr lang="en-CA"/>
           </a:p>
@@ -2507,7 +2507,7 @@
           <a:p>
             <a:fld id="{9D1FA11A-46CC-422C-B139-8458BEF41F53}" type="datetimeFigureOut">
               <a:rPr lang="en-CA" smtClean="0"/>
-              <a:t>17/11/2017</a:t>
+              <a:t>20/11/2017</a:t>
             </a:fld>
             <a:endParaRPr lang="en-CA"/>
           </a:p>
@@ -2720,7 +2720,7 @@
           <a:p>
             <a:fld id="{9D1FA11A-46CC-422C-B139-8458BEF41F53}" type="datetimeFigureOut">
               <a:rPr lang="en-CA" smtClean="0"/>
-              <a:t>17/11/2017</a:t>
+              <a:t>20/11/2017</a:t>
             </a:fld>
             <a:endParaRPr lang="en-CA"/>
           </a:p>
@@ -3116,7 +3116,7 @@
         </p:blipFill>
         <p:spPr>
           <a:xfrm>
-            <a:off x="1907704" y="949199"/>
+            <a:off x="1907704" y="676537"/>
             <a:ext cx="6905002" cy="4953000"/>
           </a:xfrm>
           <a:prstGeom prst="rect">
@@ -3132,7 +3132,7 @@
         </p:nvSpPr>
         <p:spPr>
           <a:xfrm>
-            <a:off x="179512" y="1844824"/>
+            <a:off x="179512" y="1572162"/>
             <a:ext cx="707758" cy="369332"/>
           </a:xfrm>
           <a:prstGeom prst="rect">
@@ -3164,7 +3164,7 @@
         </p:nvCxnSpPr>
         <p:spPr>
           <a:xfrm>
-            <a:off x="887270" y="2029490"/>
+            <a:off x="887270" y="1756828"/>
             <a:ext cx="948426" cy="0"/>
           </a:xfrm>
           <a:prstGeom prst="straightConnector1">
@@ -3197,7 +3197,7 @@
         </p:nvSpPr>
         <p:spPr>
           <a:xfrm>
-            <a:off x="174518" y="2366556"/>
+            <a:off x="174518" y="2093894"/>
             <a:ext cx="930063" cy="369332"/>
           </a:xfrm>
           <a:prstGeom prst="rect">
@@ -3229,7 +3229,7 @@
         </p:nvCxnSpPr>
         <p:spPr>
           <a:xfrm>
-            <a:off x="1104581" y="2551222"/>
+            <a:off x="1104581" y="2278560"/>
             <a:ext cx="726121" cy="0"/>
           </a:xfrm>
           <a:prstGeom prst="straightConnector1">
@@ -3262,7 +3262,7 @@
         </p:nvSpPr>
         <p:spPr>
           <a:xfrm>
-            <a:off x="179512" y="3056367"/>
+            <a:off x="179512" y="2783705"/>
             <a:ext cx="1168461" cy="369332"/>
           </a:xfrm>
           <a:prstGeom prst="rect">
@@ -3294,7 +3294,7 @@
         </p:nvCxnSpPr>
         <p:spPr>
           <a:xfrm>
-            <a:off x="1347973" y="3241033"/>
+            <a:off x="1347973" y="2968371"/>
             <a:ext cx="487723" cy="0"/>
           </a:xfrm>
           <a:prstGeom prst="straightConnector1">
@@ -3327,7 +3327,7 @@
         </p:nvSpPr>
         <p:spPr>
           <a:xfrm>
-            <a:off x="4211960" y="307205"/>
+            <a:off x="4211960" y="34543"/>
             <a:ext cx="1241558" cy="369332"/>
           </a:xfrm>
           <a:prstGeom prst="rect">
@@ -3357,7 +3357,7 @@
         </p:nvCxnSpPr>
         <p:spPr>
           <a:xfrm flipH="1">
-            <a:off x="3491880" y="676537"/>
+            <a:off x="3491880" y="403875"/>
             <a:ext cx="792088" cy="880255"/>
           </a:xfrm>
           <a:prstGeom prst="straightConnector1">
